--- a/INVEST.pptx
+++ b/INVEST.pptx
@@ -2798,7 +2798,7 @@
           <a:p>
             <a:fld id="{2E309023-AF2B-4043-B228-F191CADC9BB1}" type="datetimeFigureOut">
               <a:rPr lang="en-IN" smtClean="0"/>
-              <a:t>19-04-2020</a:t>
+              <a:t>20-04-2020</a:t>
             </a:fld>
             <a:endParaRPr lang="en-IN"/>
           </a:p>
@@ -3197,7 +3197,7 @@
           <a:p>
             <a:fld id="{70C018FE-C8D6-4A9C-A702-41F1E0C1C452}" type="datetimeFigureOut">
               <a:rPr lang="en-IN" smtClean="0"/>
-              <a:t>19-04-2020</a:t>
+              <a:t>20-04-2020</a:t>
             </a:fld>
             <a:endParaRPr lang="en-IN"/>
           </a:p>
@@ -3367,7 +3367,7 @@
           <a:p>
             <a:fld id="{70C018FE-C8D6-4A9C-A702-41F1E0C1C452}" type="datetimeFigureOut">
               <a:rPr lang="en-IN" smtClean="0"/>
-              <a:t>19-04-2020</a:t>
+              <a:t>20-04-2020</a:t>
             </a:fld>
             <a:endParaRPr lang="en-IN"/>
           </a:p>
@@ -3547,7 +3547,7 @@
           <a:p>
             <a:fld id="{70C018FE-C8D6-4A9C-A702-41F1E0C1C452}" type="datetimeFigureOut">
               <a:rPr lang="en-IN" smtClean="0"/>
-              <a:t>19-04-2020</a:t>
+              <a:t>20-04-2020</a:t>
             </a:fld>
             <a:endParaRPr lang="en-IN"/>
           </a:p>
@@ -3979,7 +3979,7 @@
           <a:p>
             <a:fld id="{70C018FE-C8D6-4A9C-A702-41F1E0C1C452}" type="datetimeFigureOut">
               <a:rPr lang="en-IN" smtClean="0"/>
-              <a:t>19-04-2020</a:t>
+              <a:t>20-04-2020</a:t>
             </a:fld>
             <a:endParaRPr lang="en-IN"/>
           </a:p>
@@ -4211,7 +4211,7 @@
           <a:p>
             <a:fld id="{70C018FE-C8D6-4A9C-A702-41F1E0C1C452}" type="datetimeFigureOut">
               <a:rPr lang="en-IN" smtClean="0"/>
-              <a:t>19-04-2020</a:t>
+              <a:t>20-04-2020</a:t>
             </a:fld>
             <a:endParaRPr lang="en-IN"/>
           </a:p>
@@ -4578,7 +4578,7 @@
           <a:p>
             <a:fld id="{70C018FE-C8D6-4A9C-A702-41F1E0C1C452}" type="datetimeFigureOut">
               <a:rPr lang="en-IN" smtClean="0"/>
-              <a:t>19-04-2020</a:t>
+              <a:t>20-04-2020</a:t>
             </a:fld>
             <a:endParaRPr lang="en-IN"/>
           </a:p>
@@ -4696,7 +4696,7 @@
           <a:p>
             <a:fld id="{70C018FE-C8D6-4A9C-A702-41F1E0C1C452}" type="datetimeFigureOut">
               <a:rPr lang="en-IN" smtClean="0"/>
-              <a:t>19-04-2020</a:t>
+              <a:t>20-04-2020</a:t>
             </a:fld>
             <a:endParaRPr lang="en-IN"/>
           </a:p>
@@ -4791,7 +4791,7 @@
           <a:p>
             <a:fld id="{70C018FE-C8D6-4A9C-A702-41F1E0C1C452}" type="datetimeFigureOut">
               <a:rPr lang="en-IN" smtClean="0"/>
-              <a:t>19-04-2020</a:t>
+              <a:t>20-04-2020</a:t>
             </a:fld>
             <a:endParaRPr lang="en-IN"/>
           </a:p>
@@ -5067,7 +5067,7 @@
           <a:p>
             <a:fld id="{70C018FE-C8D6-4A9C-A702-41F1E0C1C452}" type="datetimeFigureOut">
               <a:rPr lang="en-IN" smtClean="0"/>
-              <a:t>19-04-2020</a:t>
+              <a:t>20-04-2020</a:t>
             </a:fld>
             <a:endParaRPr lang="en-IN"/>
           </a:p>
@@ -5324,7 +5324,7 @@
           <a:p>
             <a:fld id="{70C018FE-C8D6-4A9C-A702-41F1E0C1C452}" type="datetimeFigureOut">
               <a:rPr lang="en-IN" smtClean="0"/>
-              <a:t>19-04-2020</a:t>
+              <a:t>20-04-2020</a:t>
             </a:fld>
             <a:endParaRPr lang="en-IN"/>
           </a:p>
@@ -5535,7 +5535,7 @@
           <a:p>
             <a:fld id="{70C018FE-C8D6-4A9C-A702-41F1E0C1C452}" type="datetimeFigureOut">
               <a:rPr lang="en-IN" smtClean="0"/>
-              <a:t>19-04-2020</a:t>
+              <a:t>20-04-2020</a:t>
             </a:fld>
             <a:endParaRPr lang="en-IN" dirty="0"/>
           </a:p>
@@ -7728,7 +7728,7 @@
             <a:pPr lvl="1"/>
             <a:r>
               <a:rPr lang="en-IN" sz="2000" dirty="0"/>
-              <a:t>Fraction of total investment and the mean investment amount for the desired four funding types</a:t>
+              <a:t>Count of total investments and the mean investment amount for the desired four funding types</a:t>
             </a:r>
           </a:p>
           <a:p>
@@ -9352,10 +9352,10 @@
       </p:sp>
       <p:pic>
         <p:nvPicPr>
-          <p:cNvPr id="4" name="Picture 3">
+          <p:cNvPr id="3" name="Picture 2">
             <a:extLst>
               <a:ext uri="{FF2B5EF4-FFF2-40B4-BE49-F238E27FC236}">
-                <a16:creationId xmlns:a16="http://schemas.microsoft.com/office/drawing/2014/main" id="{26CF2434-EF17-4412-9D1F-5B7AA6993BAF}"/>
+                <a16:creationId xmlns:a16="http://schemas.microsoft.com/office/drawing/2014/main" id="{D6025953-1F65-450E-A713-B9AA18D0BD02}"/>
               </a:ext>
             </a:extLst>
           </p:cNvPr>
@@ -9372,8 +9372,8 @@
         </p:blipFill>
         <p:spPr>
           <a:xfrm>
-            <a:off x="888381" y="1441282"/>
-            <a:ext cx="9561905" cy="5247619"/>
+            <a:off x="1205524" y="1302761"/>
+            <a:ext cx="9780952" cy="5238095"/>
           </a:xfrm>
           <a:prstGeom prst="rect">
             <a:avLst/>

--- a/INVEST.pptx
+++ b/INVEST.pptx
@@ -6561,7 +6561,7 @@
         <p:spPr>
           <a:xfrm>
             <a:off x="788938" y="3458252"/>
-            <a:ext cx="3080657" cy="432729"/>
+            <a:ext cx="3080657" cy="489496"/>
           </a:xfrm>
           <a:prstGeom prst="rect">
             <a:avLst/>
@@ -7157,8 +7157,8 @@
         </p:nvCxnSpPr>
         <p:spPr>
           <a:xfrm flipH="1">
-            <a:off x="2314162" y="3936782"/>
-            <a:ext cx="10070" cy="650259"/>
+            <a:off x="2314162" y="4003653"/>
+            <a:ext cx="13468" cy="587295"/>
           </a:xfrm>
           <a:prstGeom prst="straightConnector1">
             <a:avLst/>
@@ -9344,7 +9344,7 @@
             <a:pPr algn="ctr"/>
             <a:r>
               <a:rPr lang="en-IN" sz="3600" b="1" dirty="0"/>
-              <a:t>Plots of Fraction of Total Investment and Average investment </a:t>
+              <a:t>Plots of Count of Total Investment and Average Investment </a:t>
             </a:r>
             <a:endParaRPr lang="en-IN" sz="3600" dirty="0"/>
           </a:p>
@@ -9422,7 +9422,7 @@
         </p:nvSpPr>
         <p:spPr>
           <a:xfrm>
-            <a:off x="1136468" y="70529"/>
+            <a:off x="1232262" y="627877"/>
             <a:ext cx="9313817" cy="856138"/>
           </a:xfrm>
         </p:spPr>
@@ -9463,7 +9463,7 @@
         </p:blipFill>
         <p:spPr>
           <a:xfrm>
-            <a:off x="1514611" y="1113392"/>
+            <a:off x="1436233" y="1592363"/>
             <a:ext cx="8714286" cy="5057143"/>
           </a:xfrm>
           <a:prstGeom prst="rect">
@@ -9513,7 +9513,7 @@
         </p:nvSpPr>
         <p:spPr>
           <a:xfrm>
-            <a:off x="1182651" y="230744"/>
+            <a:off x="1226194" y="822927"/>
             <a:ext cx="9313817" cy="856138"/>
           </a:xfrm>
         </p:spPr>
@@ -9554,7 +9554,7 @@
         </p:blipFill>
         <p:spPr>
           <a:xfrm>
-            <a:off x="1841093" y="1323702"/>
+            <a:off x="1841093" y="1820415"/>
             <a:ext cx="8509814" cy="4806841"/>
           </a:xfrm>
           <a:prstGeom prst="rect">

--- a/INVEST.pptx
+++ b/INVEST.pptx
@@ -938,7 +938,7 @@
           </a:pPr>
           <a:r>
             <a:rPr lang="en-US" sz="2800" dirty="0"/>
-            <a:t>Invest where most others are investing</a:t>
+            <a:t>Invest where</a:t>
           </a:r>
           <a:endParaRPr lang="en-IN" sz="2800" dirty="0"/>
         </a:p>
@@ -1016,7 +1016,7 @@
           </a:pPr>
           <a:r>
             <a:rPr lang="en-IN" sz="2800" b="0" i="0" dirty="0"/>
-            <a:t>Identify the best sectors, countries, and a suitable investment type for making investments</a:t>
+            <a:t>Identify the best sectors, countries, and a suitable investment type for making investments for Spark Funds</a:t>
           </a:r>
           <a:endParaRPr lang="en-IN" sz="2800" dirty="0"/>
         </a:p>
@@ -1043,6 +1043,60 @@
           <a:endParaRPr lang="en-IN"/>
         </a:p>
       </dgm:t>
+    </dgm:pt>
+    <dgm:pt modelId="{A24A1F43-810C-484C-A9FB-6F4504DA7D94}">
+      <dgm:prSet phldrT="[Text]" custT="1"/>
+      <dgm:spPr/>
+      <dgm:t>
+        <a:bodyPr/>
+        <a:lstStyle/>
+        <a:p>
+          <a:pPr algn="ctr">
+            <a:buFontTx/>
+            <a:buNone/>
+          </a:pPr>
+          <a:r>
+            <a:rPr lang="en-US" sz="2800" dirty="0"/>
+            <a:t>investing</a:t>
+          </a:r>
+          <a:endParaRPr lang="en-IN" sz="2800" dirty="0"/>
+        </a:p>
+      </dgm:t>
+    </dgm:pt>
+    <dgm:pt modelId="{F99B72C8-A4E0-458C-A99B-1ECB1015BD8B}" type="parTrans" cxnId="{11AEE735-1B42-487A-B538-F55BC5DA04B3}">
+      <dgm:prSet/>
+      <dgm:spPr/>
+    </dgm:pt>
+    <dgm:pt modelId="{A346DF81-9D9A-4590-80D5-A4682521D77B}" type="sibTrans" cxnId="{11AEE735-1B42-487A-B538-F55BC5DA04B3}">
+      <dgm:prSet/>
+      <dgm:spPr/>
+    </dgm:pt>
+    <dgm:pt modelId="{B9DDEBF9-4D44-48DA-A0C4-60334032E7E2}">
+      <dgm:prSet phldrT="[Text]" custT="1"/>
+      <dgm:spPr/>
+      <dgm:t>
+        <a:bodyPr/>
+        <a:lstStyle/>
+        <a:p>
+          <a:pPr algn="ctr">
+            <a:buFontTx/>
+            <a:buNone/>
+          </a:pPr>
+          <a:r>
+            <a:rPr lang="en-US" sz="2800" dirty="0"/>
+            <a:t>most others are</a:t>
+          </a:r>
+          <a:endParaRPr lang="en-IN" sz="2800" dirty="0"/>
+        </a:p>
+      </dgm:t>
+    </dgm:pt>
+    <dgm:pt modelId="{38263538-FBC7-4880-B599-93897ABABF0E}" type="parTrans" cxnId="{D952F5D3-4DF4-4ED6-95E9-75C08149C326}">
+      <dgm:prSet/>
+      <dgm:spPr/>
+    </dgm:pt>
+    <dgm:pt modelId="{2FE2818A-80BF-4032-893C-83426C66C190}" type="sibTrans" cxnId="{D952F5D3-4DF4-4ED6-95E9-75C08149C326}">
+      <dgm:prSet/>
+      <dgm:spPr/>
     </dgm:pt>
     <dgm:pt modelId="{3F5C718E-A9C1-41EE-8E36-3FFB6E44C003}" type="pres">
       <dgm:prSet presAssocID="{FCF40C73-CE42-48D3-9F33-C18AD17BB9BF}" presName="Name0" presStyleCnt="0">
@@ -1104,12 +1158,16 @@
     </dgm:pt>
   </dgm:ptLst>
   <dgm:cxnLst>
+    <dgm:cxn modelId="{E452322B-37F5-4335-941E-44768FD74C26}" type="presOf" srcId="{B9DDEBF9-4D44-48DA-A0C4-60334032E7E2}" destId="{E040C3C0-E40E-4114-A38D-456CC17E0D32}" srcOrd="0" destOrd="1" presId="urn:microsoft.com/office/officeart/2005/8/layout/hList1"/>
+    <dgm:cxn modelId="{11AEE735-1B42-487A-B538-F55BC5DA04B3}" srcId="{1545B438-8CCC-42CF-87D7-3DCD798DE628}" destId="{A24A1F43-810C-484C-A9FB-6F4504DA7D94}" srcOrd="2" destOrd="0" parTransId="{F99B72C8-A4E0-458C-A99B-1ECB1015BD8B}" sibTransId="{A346DF81-9D9A-4590-80D5-A4682521D77B}"/>
     <dgm:cxn modelId="{792A1D7D-EE8D-4B22-915B-73F54D264ACD}" srcId="{1545B438-8CCC-42CF-87D7-3DCD798DE628}" destId="{644F78B0-480D-415E-ACC7-87C224E88D36}" srcOrd="0" destOrd="0" parTransId="{46E0596E-17EC-4388-8B09-26B0B1281CB1}" sibTransId="{21C3A236-59C2-4091-85D6-27D7D19A357E}"/>
     <dgm:cxn modelId="{5A39DA90-2004-46C0-A523-8BABE9D481BC}" srcId="{54A2F476-8965-4559-A019-363240A67072}" destId="{CF8ABF1C-C3B8-44FA-BEAA-938A5BA3016D}" srcOrd="0" destOrd="0" parTransId="{AE9A0468-5402-4453-B191-D98A44717B33}" sibTransId="{AA76458C-6E01-443C-A4B4-5AD4E73407F4}"/>
     <dgm:cxn modelId="{0DE7D791-BA5A-42E8-B725-8CFB1DEF70A7}" type="presOf" srcId="{54A2F476-8965-4559-A019-363240A67072}" destId="{526AA7A1-5991-4A36-9605-EA5455B90D2C}" srcOrd="0" destOrd="0" presId="urn:microsoft.com/office/officeart/2005/8/layout/hList1"/>
+    <dgm:cxn modelId="{CB532CA6-A0FB-421A-A92E-5530BE6EA48D}" type="presOf" srcId="{A24A1F43-810C-484C-A9FB-6F4504DA7D94}" destId="{E040C3C0-E40E-4114-A38D-456CC17E0D32}" srcOrd="0" destOrd="2" presId="urn:microsoft.com/office/officeart/2005/8/layout/hList1"/>
     <dgm:cxn modelId="{47662DBF-6BFE-4A59-82FA-794DDB885B05}" srcId="{FCF40C73-CE42-48D3-9F33-C18AD17BB9BF}" destId="{54A2F476-8965-4559-A019-363240A67072}" srcOrd="1" destOrd="0" parTransId="{8B3C9C56-4966-4920-8C1C-CEB9EF750E19}" sibTransId="{5A1062C3-1A23-46E9-A647-6D502557E7D1}"/>
     <dgm:cxn modelId="{18727BCA-2497-4BE1-9BEA-41E64574F018}" type="presOf" srcId="{644F78B0-480D-415E-ACC7-87C224E88D36}" destId="{E040C3C0-E40E-4114-A38D-456CC17E0D32}" srcOrd="0" destOrd="0" presId="urn:microsoft.com/office/officeart/2005/8/layout/hList1"/>
     <dgm:cxn modelId="{955772CF-ADAE-418F-9FC4-484ED0FA2126}" type="presOf" srcId="{FCF40C73-CE42-48D3-9F33-C18AD17BB9BF}" destId="{3F5C718E-A9C1-41EE-8E36-3FFB6E44C003}" srcOrd="0" destOrd="0" presId="urn:microsoft.com/office/officeart/2005/8/layout/hList1"/>
+    <dgm:cxn modelId="{D952F5D3-4DF4-4ED6-95E9-75C08149C326}" srcId="{1545B438-8CCC-42CF-87D7-3DCD798DE628}" destId="{B9DDEBF9-4D44-48DA-A0C4-60334032E7E2}" srcOrd="1" destOrd="0" parTransId="{38263538-FBC7-4880-B599-93897ABABF0E}" sibTransId="{2FE2818A-80BF-4032-893C-83426C66C190}"/>
     <dgm:cxn modelId="{A2BAC6D5-49E6-4821-A41F-826F5FA1E7C6}" type="presOf" srcId="{CF8ABF1C-C3B8-44FA-BEAA-938A5BA3016D}" destId="{0D0F889E-88BA-4949-AD01-79A1FD00B89F}" srcOrd="0" destOrd="0" presId="urn:microsoft.com/office/officeart/2005/8/layout/hList1"/>
     <dgm:cxn modelId="{B2153ADC-5868-4E74-95F8-0F670DABE9D6}" type="presOf" srcId="{1545B438-8CCC-42CF-87D7-3DCD798DE628}" destId="{75BD8CCF-962F-431E-8B1B-DB9D288F6E02}" srcOrd="0" destOrd="0" presId="urn:microsoft.com/office/officeart/2005/8/layout/hList1"/>
     <dgm:cxn modelId="{EE9D52E2-4D74-4531-B283-D3A9186BB546}" srcId="{FCF40C73-CE42-48D3-9F33-C18AD17BB9BF}" destId="{1545B438-8CCC-42CF-87D7-3DCD798DE628}" srcOrd="0" destOrd="0" parTransId="{077C357A-8171-4B5D-8631-54E234FD6111}" sibTransId="{BE3579AD-7D0E-440E-A631-9AB0221B6A34}"/>
@@ -1146,7 +1204,7 @@
       </dsp:nvSpPr>
       <dsp:spPr>
         <a:xfrm>
-          <a:off x="39" y="632114"/>
+          <a:off x="39" y="590939"/>
           <a:ext cx="3798093" cy="1519237"/>
         </a:xfrm>
         <a:prstGeom prst="rect">
@@ -1214,7 +1272,7 @@
         </a:p>
       </dsp:txBody>
       <dsp:txXfrm>
-        <a:off x="39" y="632114"/>
+        <a:off x="39" y="590939"/>
         <a:ext cx="3798093" cy="1519237"/>
       </dsp:txXfrm>
     </dsp:sp>
@@ -1225,8 +1283,8 @@
       </dsp:nvSpPr>
       <dsp:spPr>
         <a:xfrm>
-          <a:off x="39" y="2151352"/>
-          <a:ext cx="3798093" cy="2635200"/>
+          <a:off x="39" y="2110177"/>
+          <a:ext cx="3798093" cy="2717550"/>
         </a:xfrm>
         <a:prstGeom prst="rect">
           <a:avLst/>
@@ -1290,14 +1348,54 @@
           </a:pPr>
           <a:r>
             <a:rPr lang="en-US" sz="2800" kern="1200" dirty="0"/>
-            <a:t>Invest where most others are investing</a:t>
+            <a:t>Invest where</a:t>
+          </a:r>
+          <a:endParaRPr lang="en-IN" sz="2800" kern="1200" dirty="0"/>
+        </a:p>
+        <a:p>
+          <a:pPr marL="285750" lvl="1" indent="-285750" algn="ctr" defTabSz="1244600">
+            <a:lnSpc>
+              <a:spcPct val="90000"/>
+            </a:lnSpc>
+            <a:spcBef>
+              <a:spcPct val="0"/>
+            </a:spcBef>
+            <a:spcAft>
+              <a:spcPct val="15000"/>
+            </a:spcAft>
+            <a:buFontTx/>
+            <a:buNone/>
+          </a:pPr>
+          <a:r>
+            <a:rPr lang="en-US" sz="2800" kern="1200" dirty="0"/>
+            <a:t>most others are</a:t>
+          </a:r>
+          <a:endParaRPr lang="en-IN" sz="2800" kern="1200" dirty="0"/>
+        </a:p>
+        <a:p>
+          <a:pPr marL="285750" lvl="1" indent="-285750" algn="ctr" defTabSz="1244600">
+            <a:lnSpc>
+              <a:spcPct val="90000"/>
+            </a:lnSpc>
+            <a:spcBef>
+              <a:spcPct val="0"/>
+            </a:spcBef>
+            <a:spcAft>
+              <a:spcPct val="15000"/>
+            </a:spcAft>
+            <a:buFontTx/>
+            <a:buNone/>
+          </a:pPr>
+          <a:r>
+            <a:rPr lang="en-US" sz="2800" kern="1200" dirty="0"/>
+            <a:t>investing</a:t>
           </a:r>
           <a:endParaRPr lang="en-IN" sz="2800" kern="1200" dirty="0"/>
         </a:p>
       </dsp:txBody>
       <dsp:txXfrm>
-        <a:off x="39" y="2151352"/>
-        <a:ext cx="3798093" cy="2635200"/>
+        <a:off x="39" y="2110177"/>
+        <a:ext cx="3798093" cy="2717550"/>
       </dsp:txXfrm>
     </dsp:sp>
     <dsp:sp modelId="{526AA7A1-5991-4A36-9605-EA5455B90D2C}">
@@ -1307,7 +1405,7 @@
       </dsp:nvSpPr>
       <dsp:spPr>
         <a:xfrm>
-          <a:off x="4329866" y="632114"/>
+          <a:off x="4329866" y="590939"/>
           <a:ext cx="3798093" cy="1519237"/>
         </a:xfrm>
         <a:prstGeom prst="rect">
@@ -1375,7 +1473,7 @@
         </a:p>
       </dsp:txBody>
       <dsp:txXfrm>
-        <a:off x="4329866" y="632114"/>
+        <a:off x="4329866" y="590939"/>
         <a:ext cx="3798093" cy="1519237"/>
       </dsp:txXfrm>
     </dsp:sp>
@@ -1386,8 +1484,8 @@
       </dsp:nvSpPr>
       <dsp:spPr>
         <a:xfrm>
-          <a:off x="4329866" y="2151352"/>
-          <a:ext cx="3798093" cy="2635200"/>
+          <a:off x="4329866" y="2110177"/>
+          <a:ext cx="3798093" cy="2717550"/>
         </a:xfrm>
         <a:prstGeom prst="rect">
           <a:avLst/>
@@ -1451,14 +1549,14 @@
           </a:pPr>
           <a:r>
             <a:rPr lang="en-IN" sz="2800" b="0" i="0" kern="1200" dirty="0"/>
-            <a:t>Identify the best sectors, countries, and a suitable investment type for making investments</a:t>
+            <a:t>Identify the best sectors, countries, and a suitable investment type for making investments for Spark Funds</a:t>
           </a:r>
           <a:endParaRPr lang="en-IN" sz="2800" kern="1200" dirty="0"/>
         </a:p>
       </dsp:txBody>
       <dsp:txXfrm>
-        <a:off x="4329866" y="2151352"/>
-        <a:ext cx="3798093" cy="2635200"/>
+        <a:off x="4329866" y="2110177"/>
+        <a:ext cx="3798093" cy="2717550"/>
       </dsp:txXfrm>
     </dsp:sp>
   </dsp:spTree>
@@ -2798,7 +2896,7 @@
           <a:p>
             <a:fld id="{2E309023-AF2B-4043-B228-F191CADC9BB1}" type="datetimeFigureOut">
               <a:rPr lang="en-IN" smtClean="0"/>
-              <a:t>20-04-2020</a:t>
+              <a:t>26-04-2020</a:t>
             </a:fld>
             <a:endParaRPr lang="en-IN"/>
           </a:p>
@@ -3197,7 +3295,7 @@
           <a:p>
             <a:fld id="{70C018FE-C8D6-4A9C-A702-41F1E0C1C452}" type="datetimeFigureOut">
               <a:rPr lang="en-IN" smtClean="0"/>
-              <a:t>20-04-2020</a:t>
+              <a:t>26-04-2020</a:t>
             </a:fld>
             <a:endParaRPr lang="en-IN"/>
           </a:p>
@@ -3367,7 +3465,7 @@
           <a:p>
             <a:fld id="{70C018FE-C8D6-4A9C-A702-41F1E0C1C452}" type="datetimeFigureOut">
               <a:rPr lang="en-IN" smtClean="0"/>
-              <a:t>20-04-2020</a:t>
+              <a:t>26-04-2020</a:t>
             </a:fld>
             <a:endParaRPr lang="en-IN"/>
           </a:p>
@@ -3547,7 +3645,7 @@
           <a:p>
             <a:fld id="{70C018FE-C8D6-4A9C-A702-41F1E0C1C452}" type="datetimeFigureOut">
               <a:rPr lang="en-IN" smtClean="0"/>
-              <a:t>20-04-2020</a:t>
+              <a:t>26-04-2020</a:t>
             </a:fld>
             <a:endParaRPr lang="en-IN"/>
           </a:p>
@@ -3979,7 +4077,7 @@
           <a:p>
             <a:fld id="{70C018FE-C8D6-4A9C-A702-41F1E0C1C452}" type="datetimeFigureOut">
               <a:rPr lang="en-IN" smtClean="0"/>
-              <a:t>20-04-2020</a:t>
+              <a:t>26-04-2020</a:t>
             </a:fld>
             <a:endParaRPr lang="en-IN"/>
           </a:p>
@@ -4211,7 +4309,7 @@
           <a:p>
             <a:fld id="{70C018FE-C8D6-4A9C-A702-41F1E0C1C452}" type="datetimeFigureOut">
               <a:rPr lang="en-IN" smtClean="0"/>
-              <a:t>20-04-2020</a:t>
+              <a:t>26-04-2020</a:t>
             </a:fld>
             <a:endParaRPr lang="en-IN"/>
           </a:p>
@@ -4578,7 +4676,7 @@
           <a:p>
             <a:fld id="{70C018FE-C8D6-4A9C-A702-41F1E0C1C452}" type="datetimeFigureOut">
               <a:rPr lang="en-IN" smtClean="0"/>
-              <a:t>20-04-2020</a:t>
+              <a:t>26-04-2020</a:t>
             </a:fld>
             <a:endParaRPr lang="en-IN"/>
           </a:p>
@@ -4696,7 +4794,7 @@
           <a:p>
             <a:fld id="{70C018FE-C8D6-4A9C-A702-41F1E0C1C452}" type="datetimeFigureOut">
               <a:rPr lang="en-IN" smtClean="0"/>
-              <a:t>20-04-2020</a:t>
+              <a:t>26-04-2020</a:t>
             </a:fld>
             <a:endParaRPr lang="en-IN"/>
           </a:p>
@@ -4791,7 +4889,7 @@
           <a:p>
             <a:fld id="{70C018FE-C8D6-4A9C-A702-41F1E0C1C452}" type="datetimeFigureOut">
               <a:rPr lang="en-IN" smtClean="0"/>
-              <a:t>20-04-2020</a:t>
+              <a:t>26-04-2020</a:t>
             </a:fld>
             <a:endParaRPr lang="en-IN"/>
           </a:p>
@@ -5067,7 +5165,7 @@
           <a:p>
             <a:fld id="{70C018FE-C8D6-4A9C-A702-41F1E0C1C452}" type="datetimeFigureOut">
               <a:rPr lang="en-IN" smtClean="0"/>
-              <a:t>20-04-2020</a:t>
+              <a:t>26-04-2020</a:t>
             </a:fld>
             <a:endParaRPr lang="en-IN"/>
           </a:p>
@@ -5324,7 +5422,7 @@
           <a:p>
             <a:fld id="{70C018FE-C8D6-4A9C-A702-41F1E0C1C452}" type="datetimeFigureOut">
               <a:rPr lang="en-IN" smtClean="0"/>
-              <a:t>20-04-2020</a:t>
+              <a:t>26-04-2020</a:t>
             </a:fld>
             <a:endParaRPr lang="en-IN"/>
           </a:p>
@@ -5535,7 +5633,7 @@
           <a:p>
             <a:fld id="{70C018FE-C8D6-4A9C-A702-41F1E0C1C452}" type="datetimeFigureOut">
               <a:rPr lang="en-IN" smtClean="0"/>
-              <a:t>20-04-2020</a:t>
+              <a:t>26-04-2020</a:t>
             </a:fld>
             <a:endParaRPr lang="en-IN" dirty="0"/>
           </a:p>
@@ -6136,66 +6234,42 @@
         </p:nvSpPr>
         <p:spPr>
           <a:xfrm>
-            <a:off x="404949" y="1496218"/>
-            <a:ext cx="11673840" cy="5174548"/>
+            <a:off x="396240" y="1078207"/>
+            <a:ext cx="11673840" cy="5453222"/>
           </a:xfrm>
         </p:spPr>
         <p:txBody>
           <a:bodyPr>
-            <a:normAutofit fontScale="92500" lnSpcReduction="10000"/>
+            <a:normAutofit/>
           </a:bodyPr>
           <a:lstStyle/>
           <a:p>
             <a:r>
-              <a:rPr lang="en-US" sz="2400" dirty="0"/>
+              <a:rPr lang="en-US" sz="1900" dirty="0"/>
               <a:t>Plot 1 clearly defines the best suited investment type for Spark Funds, Venture Type</a:t>
             </a:r>
           </a:p>
           <a:p>
             <a:r>
-              <a:rPr lang="en-US" sz="2400" dirty="0"/>
-              <a:t>Plot 2 shows the top countries suitable for Investment, USA, GBR and CAN</a:t>
-            </a:r>
-          </a:p>
-          <a:p>
-            <a:r>
-              <a:rPr lang="en-US" sz="2400" dirty="0"/>
+              <a:rPr lang="en-US" sz="1900" dirty="0"/>
+              <a:t>Plot 2 shows the top countries suitable for Investment, USA, GBR and India</a:t>
+            </a:r>
+          </a:p>
+          <a:p>
+            <a:r>
+              <a:rPr lang="en-US" sz="1900" dirty="0"/>
               <a:t>Plot 3 shows the sectors best suited for investments</a:t>
             </a:r>
           </a:p>
           <a:p>
-            <a:pPr lvl="1"/>
-            <a:r>
-              <a:rPr lang="en-US" sz="2000" dirty="0"/>
-              <a:t>Others</a:t>
-            </a:r>
-          </a:p>
-          <a:p>
-            <a:pPr lvl="1"/>
-            <a:r>
-              <a:rPr lang="en-IN" sz="2000" dirty="0"/>
-              <a:t>Social, Finance, Analytics, Advertising</a:t>
-            </a:r>
-          </a:p>
-          <a:p>
-            <a:pPr lvl="1"/>
-            <a:r>
-              <a:rPr lang="en-IN" sz="2000" dirty="0"/>
-              <a:t>Cleantech / Semiconductors</a:t>
-            </a:r>
-          </a:p>
-          <a:p>
-            <a:pPr marL="0" indent="0">
+            <a:endParaRPr lang="en-US" sz="1900" dirty="0"/>
+          </a:p>
+          <a:p>
+            <a:pPr marL="0" indent="0" algn="ctr">
               <a:buNone/>
             </a:pPr>
-            <a:endParaRPr lang="en-IN" sz="2400" dirty="0"/>
-          </a:p>
-          <a:p>
-            <a:pPr marL="0" indent="0">
-              <a:buNone/>
-            </a:pPr>
-            <a:r>
-              <a:rPr lang="en-IN" sz="2400" b="1" u="sng" dirty="0"/>
+            <a:r>
+              <a:rPr lang="en-IN" sz="2400" b="1" i="1" u="sng" dirty="0"/>
               <a:t>Final Proposal for Investment for Spark funds based on the strategy would be the following</a:t>
             </a:r>
           </a:p>
@@ -6224,7 +6298,7 @@
             </a:r>
             <a:r>
               <a:rPr lang="en-IN" sz="2400" b="1" i="1" dirty="0"/>
-              <a:t>USA, GBR and Canada</a:t>
+              <a:t>USA, GBR and India</a:t>
             </a:r>
           </a:p>
           <a:p>
@@ -6257,6 +6331,14 @@
               <a:rPr lang="en-IN" sz="2000" b="1" i="1" dirty="0"/>
               <a:t>Cleantech / Semiconductors</a:t>
             </a:r>
+          </a:p>
+          <a:p>
+            <a:pPr lvl="1"/>
+            <a:r>
+              <a:rPr lang="en-IN" sz="2100" b="1" i="1" dirty="0"/>
+              <a:t>News, Search and Messaging</a:t>
+            </a:r>
+            <a:endParaRPr lang="en-IN" sz="2000" b="1" i="1" dirty="0"/>
           </a:p>
           <a:p>
             <a:pPr marL="0" indent="0">
@@ -6278,7 +6360,7 @@
         </p:nvSpPr>
         <p:spPr>
           <a:xfrm>
-            <a:off x="1136469" y="640080"/>
+            <a:off x="1127760" y="326571"/>
             <a:ext cx="9313817" cy="856138"/>
           </a:xfrm>
         </p:spPr>
@@ -6291,12 +6373,8 @@
               <a:t>I</a:t>
             </a:r>
             <a:r>
-              <a:rPr lang="en-IN" sz="2800" b="1" dirty="0" err="1"/>
-              <a:t>nvestment</a:t>
-            </a:r>
-            <a:r>
               <a:rPr lang="en-IN" sz="2800" b="1" dirty="0"/>
-              <a:t> Proposal</a:t>
+              <a:t>nvestment Proposal</a:t>
             </a:r>
             <a:endParaRPr lang="en-IN" sz="2800" dirty="0"/>
           </a:p>
@@ -6373,7 +6451,7 @@
           <p:nvPr>
             <p:extLst>
               <p:ext uri="{D42A27DB-BD31-4B8C-83A1-F6EECF244321}">
-                <p14:modId xmlns:p14="http://schemas.microsoft.com/office/powerpoint/2010/main" val="2168298757"/>
+                <p14:modId xmlns:p14="http://schemas.microsoft.com/office/powerpoint/2010/main" val="2736982382"/>
               </p:ext>
             </p:extLst>
           </p:nvPr>
@@ -6540,7 +6618,7 @@
             <a:pPr algn="ctr"/>
             <a:r>
               <a:rPr lang="en-US" sz="1600" dirty="0"/>
-              <a:t>Merge Companies and Funding Type data and Massage the data</a:t>
+              <a:t>Treat the companies and funding data and merge them</a:t>
             </a:r>
             <a:endParaRPr lang="en-IN" sz="1600" dirty="0"/>
           </a:p>
@@ -7508,19 +7586,25 @@
         </p:spPr>
         <p:txBody>
           <a:bodyPr>
-            <a:normAutofit lnSpcReduction="10000"/>
+            <a:normAutofit fontScale="92500" lnSpcReduction="10000"/>
           </a:bodyPr>
           <a:lstStyle/>
           <a:p>
             <a:r>
               <a:rPr lang="en-US" sz="2400" dirty="0"/>
-              <a:t>Funding data and companies data merged together to get a single view</a:t>
+              <a:t>Funding data and companies data are loaded separately </a:t>
+            </a:r>
+          </a:p>
+          <a:p>
+            <a:r>
+              <a:rPr lang="en-US" sz="2400" dirty="0"/>
+              <a:t>Both the data frames are treated for missing values and Outliers</a:t>
             </a:r>
           </a:p>
           <a:p>
             <a:r>
               <a:rPr lang="en-IN" sz="2400" dirty="0"/>
-              <a:t>Merged frame has been massaged to treat the missing values and outliers</a:t>
+              <a:t>Companies data is left merged with funding data and treated again for missing values</a:t>
             </a:r>
           </a:p>
           <a:p>
@@ -7542,7 +7626,7 @@
           <a:p>
             <a:r>
               <a:rPr lang="en-IN" sz="2400" dirty="0"/>
-              <a:t>For the chosen Fund Type, FT, “Venture Type”, top countries have been identified based on total amount invested</a:t>
+              <a:t>For the chosen Fund Type, “Venture Funding Type”, top countries have been identified based on total amount invested</a:t>
             </a:r>
           </a:p>
           <a:p>
@@ -7584,7 +7668,7 @@
             </a:pPr>
             <a:r>
               <a:rPr lang="en-IN" sz="2000" b="1" dirty="0"/>
-              <a:t>Canada (CAN)</a:t>
+              <a:t>India (IND)</a:t>
             </a:r>
           </a:p>
         </p:txBody>
@@ -7688,7 +7772,7 @@
           <a:p>
             <a:r>
               <a:rPr lang="en-US" sz="2400" dirty="0"/>
-              <a:t>This data is merged with merged frame to have a single view of the data</a:t>
+              <a:t>This data is merged with master frame to have a single view of the data</a:t>
             </a:r>
           </a:p>
           <a:p>
@@ -7715,7 +7799,7 @@
             <a:pPr lvl="1"/>
             <a:r>
               <a:rPr lang="en-US" sz="2000" dirty="0"/>
-              <a:t>Top company in top 2 sectors identified by amount of Investment</a:t>
+              <a:t>Most invested company in top 2 sectors identified by amount of Investment</a:t>
             </a:r>
           </a:p>
           <a:p>
@@ -7728,21 +7812,21 @@
             <a:pPr lvl="1"/>
             <a:r>
               <a:rPr lang="en-IN" sz="2000" dirty="0"/>
-              <a:t>Count of total investments and the mean investment amount for the desired four funding types</a:t>
+              <a:t>Fraction of count of total investments and the mean investment amount for the desired four funding types</a:t>
             </a:r>
           </a:p>
           <a:p>
             <a:pPr lvl="1"/>
             <a:r>
               <a:rPr lang="en-IN" sz="2000" dirty="0"/>
-              <a:t>Top countries on the amount of investment</a:t>
+              <a:t>Top 9 countries based on the amount of investment</a:t>
             </a:r>
           </a:p>
           <a:p>
             <a:pPr lvl="1"/>
             <a:r>
               <a:rPr lang="en-IN" sz="2000" dirty="0"/>
-              <a:t>Top 3 sectors in the top 3 English speaking countries as investment proposal</a:t>
+              <a:t>Top 3 sectors in the top 3 English speaking countries for investment proposal</a:t>
             </a:r>
           </a:p>
         </p:txBody>
@@ -7789,7 +7873,7 @@
         </p:nvSpPr>
         <p:spPr>
           <a:xfrm>
-            <a:off x="1136469" y="640080"/>
+            <a:off x="1153886" y="431074"/>
             <a:ext cx="9313817" cy="856138"/>
           </a:xfrm>
         </p:spPr>
@@ -7808,10 +7892,10 @@
       </p:sp>
       <p:graphicFrame>
         <p:nvGraphicFramePr>
-          <p:cNvPr id="4" name="Table 3">
+          <p:cNvPr id="5" name="Table 4">
             <a:extLst>
               <a:ext uri="{FF2B5EF4-FFF2-40B4-BE49-F238E27FC236}">
-                <a16:creationId xmlns:a16="http://schemas.microsoft.com/office/drawing/2014/main" id="{F058F196-245B-4FBD-9068-B3C63B4B9947}"/>
+                <a16:creationId xmlns:a16="http://schemas.microsoft.com/office/drawing/2014/main" id="{F78DBABA-99FF-442C-B754-67A07DFB9081}"/>
               </a:ext>
             </a:extLst>
           </p:cNvPr>
@@ -7821,14 +7905,14 @@
           <p:nvPr>
             <p:extLst>
               <p:ext uri="{D42A27DB-BD31-4B8C-83A1-F6EECF244321}">
-                <p14:modId xmlns:p14="http://schemas.microsoft.com/office/powerpoint/2010/main" val="1519411859"/>
+                <p14:modId xmlns:p14="http://schemas.microsoft.com/office/powerpoint/2010/main" val="3317374965"/>
               </p:ext>
             </p:extLst>
           </p:nvPr>
         </p:nvGraphicFramePr>
         <p:xfrm>
-          <a:off x="1027612" y="1410790"/>
-          <a:ext cx="10850878" cy="5097738"/>
+          <a:off x="660399" y="1586318"/>
+          <a:ext cx="10871201" cy="4740769"/>
         </p:xfrm>
         <a:graphic>
           <a:graphicData uri="http://schemas.openxmlformats.org/drawingml/2006/table">
@@ -7837,43 +7921,43 @@
                 <a:tableStyleId>{5C22544A-7EE6-4342-B048-85BDC9FD1C3A}</a:tableStyleId>
               </a:tblPr>
               <a:tblGrid>
-                <a:gridCol w="555230">
+                <a:gridCol w="556270">
                   <a:extLst>
                     <a:ext uri="{9D8B030D-6E8A-4147-A177-3AD203B41FA5}">
-                      <a16:colId xmlns:a16="http://schemas.microsoft.com/office/drawing/2014/main" val="2351443878"/>
+                      <a16:colId xmlns:a16="http://schemas.microsoft.com/office/drawing/2014/main" val="469516312"/>
                     </a:ext>
                   </a:extLst>
                 </a:gridCol>
-                <a:gridCol w="3570193">
+                <a:gridCol w="3576879">
                   <a:extLst>
                     <a:ext uri="{9D8B030D-6E8A-4147-A177-3AD203B41FA5}">
-                      <a16:colId xmlns:a16="http://schemas.microsoft.com/office/drawing/2014/main" val="1562203442"/>
+                      <a16:colId xmlns:a16="http://schemas.microsoft.com/office/drawing/2014/main" val="3096108697"/>
                     </a:ext>
                   </a:extLst>
                 </a:gridCol>
-                <a:gridCol w="2194057">
+                <a:gridCol w="2198166">
                   <a:extLst>
                     <a:ext uri="{9D8B030D-6E8A-4147-A177-3AD203B41FA5}">
-                      <a16:colId xmlns:a16="http://schemas.microsoft.com/office/drawing/2014/main" val="3554390350"/>
+                      <a16:colId xmlns:a16="http://schemas.microsoft.com/office/drawing/2014/main" val="43837392"/>
                     </a:ext>
                   </a:extLst>
                 </a:gridCol>
-                <a:gridCol w="2265699">
+                <a:gridCol w="2269943">
                   <a:extLst>
                     <a:ext uri="{9D8B030D-6E8A-4147-A177-3AD203B41FA5}">
-                      <a16:colId xmlns:a16="http://schemas.microsoft.com/office/drawing/2014/main" val="3067328797"/>
+                      <a16:colId xmlns:a16="http://schemas.microsoft.com/office/drawing/2014/main" val="3380258860"/>
                     </a:ext>
                   </a:extLst>
                 </a:gridCol>
-                <a:gridCol w="2265699">
+                <a:gridCol w="2269943">
                   <a:extLst>
                     <a:ext uri="{9D8B030D-6E8A-4147-A177-3AD203B41FA5}">
-                      <a16:colId xmlns:a16="http://schemas.microsoft.com/office/drawing/2014/main" val="3107855951"/>
+                      <a16:colId xmlns:a16="http://schemas.microsoft.com/office/drawing/2014/main" val="4157063741"/>
                     </a:ext>
                   </a:extLst>
                 </a:gridCol>
               </a:tblGrid>
-              <a:tr h="350682">
+              <a:tr h="342533">
                 <a:tc gridSpan="5">
                   <a:txBody>
                     <a:bodyPr/>
@@ -7881,12 +7965,12 @@
                     <a:p>
                       <a:pPr algn="ctr" fontAlgn="ctr"/>
                       <a:r>
-                        <a:rPr lang="en-IN" sz="2400" b="1" u="none" strike="noStrike" dirty="0">
+                        <a:rPr lang="en-IN" sz="2400" b="1" i="1" u="none" strike="noStrike" dirty="0">
                           <a:effectLst/>
                         </a:rPr>
                         <a:t>Sector-wise Investment Analysis</a:t>
                       </a:r>
-                      <a:endParaRPr lang="en-IN" sz="2400" b="1" i="0" u="none" strike="noStrike" dirty="0">
+                      <a:endParaRPr lang="en-IN" sz="2400" b="1" i="1" u="none" strike="noStrike" dirty="0">
                         <a:solidFill>
                           <a:srgbClr val="000000"/>
                         </a:solidFill>
@@ -7939,11 +8023,11 @@
                 </a:tc>
                 <a:extLst>
                   <a:ext uri="{0D108BD9-81ED-4DB2-BD59-A6C34878D82A}">
-                    <a16:rowId xmlns:a16="http://schemas.microsoft.com/office/drawing/2014/main" val="1290362064"/>
+                    <a16:rowId xmlns:a16="http://schemas.microsoft.com/office/drawing/2014/main" val="2633743897"/>
                   </a:ext>
                 </a:extLst>
               </a:tr>
-              <a:tr h="333981">
+              <a:tr h="326220">
                 <a:tc>
                   <a:txBody>
                     <a:bodyPr/>
@@ -8061,11 +8145,11 @@
                 </a:tc>
                 <a:extLst>
                   <a:ext uri="{0D108BD9-81ED-4DB2-BD59-A6C34878D82A}">
-                    <a16:rowId xmlns:a16="http://schemas.microsoft.com/office/drawing/2014/main" val="2952583082"/>
+                    <a16:rowId xmlns:a16="http://schemas.microsoft.com/office/drawing/2014/main" val="879080075"/>
                   </a:ext>
                 </a:extLst>
               </a:tr>
-              <a:tr h="333981">
+              <a:tr h="326220">
                 <a:tc>
                   <a:txBody>
                     <a:bodyPr/>
@@ -8168,7 +8252,7 @@
                         <a:rPr lang="en-IN" sz="1400" u="none" strike="noStrike" dirty="0">
                           <a:effectLst/>
                         </a:rPr>
-                        <a:t>422</a:t>
+                        <a:t>328</a:t>
                       </a:r>
                       <a:endParaRPr lang="en-IN" sz="1400" b="0" i="0" u="none" strike="noStrike" dirty="0">
                         <a:solidFill>
@@ -8183,11 +8267,11 @@
                 </a:tc>
                 <a:extLst>
                   <a:ext uri="{0D108BD9-81ED-4DB2-BD59-A6C34878D82A}">
-                    <a16:rowId xmlns:a16="http://schemas.microsoft.com/office/drawing/2014/main" val="2150721939"/>
+                    <a16:rowId xmlns:a16="http://schemas.microsoft.com/office/drawing/2014/main" val="1079425143"/>
                   </a:ext>
                 </a:extLst>
               </a:tr>
-              <a:tr h="333981">
+              <a:tr h="326220">
                 <a:tc>
                   <a:txBody>
                     <a:bodyPr/>
@@ -8195,12 +8279,12 @@
                     <a:p>
                       <a:pPr algn="ctr" fontAlgn="b"/>
                       <a:r>
-                        <a:rPr lang="en-IN" sz="1400" u="none" strike="noStrike" dirty="0">
+                        <a:rPr lang="en-IN" sz="1400" u="none" strike="noStrike">
                           <a:effectLst/>
                         </a:rPr>
                         <a:t>2</a:t>
                       </a:r>
-                      <a:endParaRPr lang="en-IN" sz="1400" b="0" i="0" u="none" strike="noStrike" dirty="0">
+                      <a:endParaRPr lang="en-IN" sz="1400" b="0" i="0" u="none" strike="noStrike">
                         <a:solidFill>
                           <a:srgbClr val="000000"/>
                         </a:solidFill>
@@ -8264,12 +8348,12 @@
                     <a:p>
                       <a:pPr algn="ctr" fontAlgn="b"/>
                       <a:r>
-                        <a:rPr lang="en-IN" sz="1400" u="none" strike="noStrike">
+                        <a:rPr lang="en-IN" sz="1400" u="none" strike="noStrike" dirty="0">
                           <a:effectLst/>
                         </a:rPr>
                         <a:t>5379078691</a:t>
                       </a:r>
-                      <a:endParaRPr lang="en-IN" sz="1400" b="0" i="0" u="none" strike="noStrike">
+                      <a:endParaRPr lang="en-IN" sz="1400" b="0" i="0" u="none" strike="noStrike" dirty="0">
                         <a:solidFill>
                           <a:srgbClr val="000000"/>
                         </a:solidFill>
@@ -8290,7 +8374,7 @@
                         <a:rPr lang="en-IN" sz="1400" u="none" strike="noStrike">
                           <a:effectLst/>
                         </a:rPr>
-                        <a:t>3599289960</a:t>
+                        <a:t>2949543602</a:t>
                       </a:r>
                       <a:endParaRPr lang="en-IN" sz="1400" b="0" i="0" u="none" strike="noStrike">
                         <a:solidFill>
@@ -8305,11 +8389,11 @@
                 </a:tc>
                 <a:extLst>
                   <a:ext uri="{0D108BD9-81ED-4DB2-BD59-A6C34878D82A}">
-                    <a16:rowId xmlns:a16="http://schemas.microsoft.com/office/drawing/2014/main" val="3103157099"/>
+                    <a16:rowId xmlns:a16="http://schemas.microsoft.com/office/drawing/2014/main" val="4232085364"/>
                   </a:ext>
                 </a:extLst>
               </a:tr>
-              <a:tr h="333981">
+              <a:tr h="326220">
                 <a:tc>
                   <a:txBody>
                     <a:bodyPr/>
@@ -8317,10 +8401,33 @@
                     <a:p>
                       <a:pPr algn="ctr" fontAlgn="b"/>
                       <a:r>
+                        <a:rPr lang="en-IN" sz="1400" u="none" strike="noStrike">
+                          <a:effectLst/>
+                        </a:rPr>
+                        <a:t>3</a:t>
+                      </a:r>
+                      <a:endParaRPr lang="en-IN" sz="1400" b="0" i="0" u="none" strike="noStrike">
+                        <a:solidFill>
+                          <a:srgbClr val="000000"/>
+                        </a:solidFill>
+                        <a:effectLst/>
+                        <a:latin typeface="Calibri" panose="020F0502020204030204" pitchFamily="34" charset="0"/>
+                      </a:endParaRPr>
+                    </a:p>
+                  </a:txBody>
+                  <a:tcPr marL="8667" marR="8667" marT="8667" marB="0" anchor="ctr"/>
+                </a:tc>
+                <a:tc>
+                  <a:txBody>
+                    <a:bodyPr/>
+                    <a:lstStyle/>
+                    <a:p>
+                      <a:pPr algn="l" fontAlgn="ctr"/>
+                      <a:r>
                         <a:rPr lang="en-IN" sz="1400" u="none" strike="noStrike" dirty="0">
                           <a:effectLst/>
                         </a:rPr>
-                        <a:t>3</a:t>
+                        <a:t>Top Sector name (no. of investment-wise)</a:t>
                       </a:r>
                       <a:endParaRPr lang="en-IN" sz="1400" b="0" i="0" u="none" strike="noStrike" dirty="0">
                         <a:solidFill>
@@ -8338,14 +8445,14 @@
                     <a:bodyPr/>
                     <a:lstStyle/>
                     <a:p>
-                      <a:pPr algn="l" fontAlgn="ctr"/>
+                      <a:pPr algn="ctr" fontAlgn="b"/>
                       <a:r>
-                        <a:rPr lang="en-IN" sz="1400" u="none" strike="noStrike">
+                        <a:rPr lang="en-IN" sz="1400" u="none" strike="noStrike" dirty="0">
                           <a:effectLst/>
                         </a:rPr>
-                        <a:t>Top Sector name (no. of investment-wise)</a:t>
+                        <a:t>Others</a:t>
                       </a:r>
-                      <a:endParaRPr lang="en-IN" sz="1400" b="0" i="0" u="none" strike="noStrike">
+                      <a:endParaRPr lang="en-IN" sz="1400" b="0" i="0" u="none" strike="noStrike" dirty="0">
                         <a:solidFill>
                           <a:srgbClr val="000000"/>
                         </a:solidFill>
@@ -8402,6 +8509,13 @@
                   </a:txBody>
                   <a:tcPr marL="8667" marR="8667" marT="8667" marB="0" anchor="ctr"/>
                 </a:tc>
+                <a:extLst>
+                  <a:ext uri="{0D108BD9-81ED-4DB2-BD59-A6C34878D82A}">
+                    <a16:rowId xmlns:a16="http://schemas.microsoft.com/office/drawing/2014/main" val="3549616951"/>
+                  </a:ext>
+                </a:extLst>
+              </a:tr>
+              <a:tr h="326220">
                 <a:tc>
                   <a:txBody>
                     <a:bodyPr/>
@@ -8412,39 +8526,9 @@
                         <a:rPr lang="en-IN" sz="1400" u="none" strike="noStrike">
                           <a:effectLst/>
                         </a:rPr>
-                        <a:t>Cleantech / Semiconductors</a:t>
+                        <a:t>4</a:t>
                       </a:r>
                       <a:endParaRPr lang="en-IN" sz="1400" b="0" i="0" u="none" strike="noStrike">
-                        <a:solidFill>
-                          <a:srgbClr val="000000"/>
-                        </a:solidFill>
-                        <a:effectLst/>
-                        <a:latin typeface="Calibri" panose="020F0502020204030204" pitchFamily="34" charset="0"/>
-                      </a:endParaRPr>
-                    </a:p>
-                  </a:txBody>
-                  <a:tcPr marL="8667" marR="8667" marT="8667" marB="0" anchor="ctr"/>
-                </a:tc>
-                <a:extLst>
-                  <a:ext uri="{0D108BD9-81ED-4DB2-BD59-A6C34878D82A}">
-                    <a16:rowId xmlns:a16="http://schemas.microsoft.com/office/drawing/2014/main" val="220590756"/>
-                  </a:ext>
-                </a:extLst>
-              </a:tr>
-              <a:tr h="597428">
-                <a:tc>
-                  <a:txBody>
-                    <a:bodyPr/>
-                    <a:lstStyle/>
-                    <a:p>
-                      <a:pPr algn="ctr" fontAlgn="b"/>
-                      <a:r>
-                        <a:rPr lang="en-IN" sz="1400" u="none" strike="noStrike" dirty="0">
-                          <a:effectLst/>
-                        </a:rPr>
-                        <a:t>4</a:t>
-                      </a:r>
-                      <a:endParaRPr lang="en-IN" sz="1400" b="0" i="0" u="none" strike="noStrike" dirty="0">
                         <a:solidFill>
                           <a:srgbClr val="000000"/>
                         </a:solidFill>
@@ -8508,12 +8592,12 @@
                     <a:p>
                       <a:pPr algn="ctr" fontAlgn="b"/>
                       <a:r>
-                        <a:rPr lang="en-IN" sz="1400" u="none" strike="noStrike" dirty="0">
+                        <a:rPr lang="en-IN" sz="1400" u="none" strike="noStrike">
                           <a:effectLst/>
                         </a:rPr>
                         <a:t>Social, Finance, Analytics, Advertising</a:t>
                       </a:r>
-                      <a:endParaRPr lang="en-IN" sz="1400" b="0" i="0" u="none" strike="noStrike" dirty="0">
+                      <a:endParaRPr lang="en-IN" sz="1400" b="0" i="0" u="none" strike="noStrike">
                         <a:solidFill>
                           <a:srgbClr val="000000"/>
                         </a:solidFill>
@@ -8534,7 +8618,7 @@
                         <a:rPr lang="en-IN" sz="1400" u="none" strike="noStrike">
                           <a:effectLst/>
                         </a:rPr>
-                        <a:t>Others</a:t>
+                        <a:t>Social, Finance, Analytics, Advertising</a:t>
                       </a:r>
                       <a:endParaRPr lang="en-IN" sz="1400" b="0" i="0" u="none" strike="noStrike">
                         <a:solidFill>
@@ -8549,11 +8633,11 @@
                 </a:tc>
                 <a:extLst>
                   <a:ext uri="{0D108BD9-81ED-4DB2-BD59-A6C34878D82A}">
-                    <a16:rowId xmlns:a16="http://schemas.microsoft.com/office/drawing/2014/main" val="225786262"/>
+                    <a16:rowId xmlns:a16="http://schemas.microsoft.com/office/drawing/2014/main" val="2220258039"/>
                   </a:ext>
                 </a:extLst>
               </a:tr>
-              <a:tr h="333981">
+              <a:tr h="326220">
                 <a:tc>
                   <a:txBody>
                     <a:bodyPr/>
@@ -8561,12 +8645,12 @@
                     <a:p>
                       <a:pPr algn="ctr" fontAlgn="b"/>
                       <a:r>
-                        <a:rPr lang="en-IN" sz="1400" u="none" strike="noStrike" dirty="0">
+                        <a:rPr lang="en-IN" sz="1400" u="none" strike="noStrike">
                           <a:effectLst/>
                         </a:rPr>
                         <a:t>5</a:t>
                       </a:r>
-                      <a:endParaRPr lang="en-IN" sz="1400" b="0" i="0" u="none" strike="noStrike" dirty="0">
+                      <a:endParaRPr lang="en-IN" sz="1400" b="0" i="0" u="none" strike="noStrike">
                         <a:solidFill>
                           <a:srgbClr val="000000"/>
                         </a:solidFill>
@@ -8607,35 +8691,12 @@
                     <a:p>
                       <a:pPr algn="ctr" fontAlgn="b"/>
                       <a:r>
-                        <a:rPr lang="en-IN" sz="1400" u="none" strike="noStrike" dirty="0">
+                        <a:rPr lang="en-IN" sz="1400" u="none" strike="noStrike">
                           <a:effectLst/>
                         </a:rPr>
                         <a:t>Cleantech / Semiconductors</a:t>
                       </a:r>
-                      <a:endParaRPr lang="en-IN" sz="1400" b="0" i="0" u="none" strike="noStrike" dirty="0">
-                        <a:solidFill>
-                          <a:srgbClr val="000000"/>
-                        </a:solidFill>
-                        <a:effectLst/>
-                        <a:latin typeface="Calibri" panose="020F0502020204030204" pitchFamily="34" charset="0"/>
-                      </a:endParaRPr>
-                    </a:p>
-                  </a:txBody>
-                  <a:tcPr marL="8667" marR="8667" marT="8667" marB="0" anchor="ctr"/>
-                </a:tc>
-                <a:tc>
-                  <a:txBody>
-                    <a:bodyPr/>
-                    <a:lstStyle/>
-                    <a:p>
-                      <a:pPr algn="ctr" fontAlgn="b"/>
-                      <a:r>
-                        <a:rPr lang="en-IN" sz="1400" u="none" strike="noStrike" dirty="0">
-                          <a:effectLst/>
-                        </a:rPr>
-                        <a:t>Cleantech / Semiconductors</a:t>
-                      </a:r>
-                      <a:endParaRPr lang="en-IN" sz="1400" b="0" i="0" u="none" strike="noStrike" dirty="0">
+                      <a:endParaRPr lang="en-IN" sz="1400" b="0" i="0" u="none" strike="noStrike">
                         <a:solidFill>
                           <a:srgbClr val="000000"/>
                         </a:solidFill>
@@ -8656,7 +8717,30 @@
                         <a:rPr lang="en-IN" sz="1400" u="none" strike="noStrike">
                           <a:effectLst/>
                         </a:rPr>
-                        <a:t>Social, Finance, Analytics, Advertising</a:t>
+                        <a:t>Cleantech / Semiconductors</a:t>
+                      </a:r>
+                      <a:endParaRPr lang="en-IN" sz="1400" b="0" i="0" u="none" strike="noStrike">
+                        <a:solidFill>
+                          <a:srgbClr val="000000"/>
+                        </a:solidFill>
+                        <a:effectLst/>
+                        <a:latin typeface="Calibri" panose="020F0502020204030204" pitchFamily="34" charset="0"/>
+                      </a:endParaRPr>
+                    </a:p>
+                  </a:txBody>
+                  <a:tcPr marL="8667" marR="8667" marT="8667" marB="0" anchor="ctr"/>
+                </a:tc>
+                <a:tc>
+                  <a:txBody>
+                    <a:bodyPr/>
+                    <a:lstStyle/>
+                    <a:p>
+                      <a:pPr algn="ctr" fontAlgn="b"/>
+                      <a:r>
+                        <a:rPr lang="en-IN" sz="1400" u="none" strike="noStrike">
+                          <a:effectLst/>
+                        </a:rPr>
+                        <a:t>News, Search and Messaging</a:t>
                       </a:r>
                       <a:endParaRPr lang="en-IN" sz="1400" b="0" i="0" u="none" strike="noStrike">
                         <a:solidFill>
@@ -8671,11 +8755,11 @@
                 </a:tc>
                 <a:extLst>
                   <a:ext uri="{0D108BD9-81ED-4DB2-BD59-A6C34878D82A}">
-                    <a16:rowId xmlns:a16="http://schemas.microsoft.com/office/drawing/2014/main" val="3467113974"/>
+                    <a16:rowId xmlns:a16="http://schemas.microsoft.com/office/drawing/2014/main" val="3329162595"/>
                   </a:ext>
                 </a:extLst>
               </a:tr>
-              <a:tr h="333981">
+              <a:tr h="326220">
                 <a:tc>
                   <a:txBody>
                     <a:bodyPr/>
@@ -8683,12 +8767,12 @@
                     <a:p>
                       <a:pPr algn="ctr" fontAlgn="b"/>
                       <a:r>
-                        <a:rPr lang="en-IN" sz="1400" u="none" strike="noStrike" dirty="0">
+                        <a:rPr lang="en-IN" sz="1400" u="none" strike="noStrike">
                           <a:effectLst/>
                         </a:rPr>
                         <a:t>6</a:t>
                       </a:r>
-                      <a:endParaRPr lang="en-IN" sz="1400" b="0" i="0" u="none" strike="noStrike" dirty="0">
+                      <a:endParaRPr lang="en-IN" sz="1400" b="0" i="0" u="none" strike="noStrike">
                         <a:solidFill>
                           <a:srgbClr val="000000"/>
                         </a:solidFill>
@@ -8729,33 +8813,10 @@
                     <a:p>
                       <a:pPr algn="ctr" fontAlgn="b"/>
                       <a:r>
-                        <a:rPr lang="en-IN" sz="1400" u="none" strike="noStrike">
+                        <a:rPr lang="en-IN" sz="1400" u="none" strike="noStrike" dirty="0">
                           <a:effectLst/>
                         </a:rPr>
                         <a:t>2950</a:t>
-                      </a:r>
-                      <a:endParaRPr lang="en-IN" sz="1400" b="0" i="0" u="none" strike="noStrike">
-                        <a:solidFill>
-                          <a:srgbClr val="000000"/>
-                        </a:solidFill>
-                        <a:effectLst/>
-                        <a:latin typeface="Calibri" panose="020F0502020204030204" pitchFamily="34" charset="0"/>
-                      </a:endParaRPr>
-                    </a:p>
-                  </a:txBody>
-                  <a:tcPr marL="8667" marR="8667" marT="8667" marB="0" anchor="ctr"/>
-                </a:tc>
-                <a:tc>
-                  <a:txBody>
-                    <a:bodyPr/>
-                    <a:lstStyle/>
-                    <a:p>
-                      <a:pPr algn="ctr" fontAlgn="b"/>
-                      <a:r>
-                        <a:rPr lang="en-IN" sz="1400" u="none" strike="noStrike" dirty="0">
-                          <a:effectLst/>
-                        </a:rPr>
-                        <a:t>147</a:t>
                       </a:r>
                       <a:endParaRPr lang="en-IN" sz="1400" b="0" i="0" u="none" strike="noStrike" dirty="0">
                         <a:solidFill>
@@ -8778,7 +8839,30 @@
                         <a:rPr lang="en-IN" sz="1400" u="none" strike="noStrike">
                           <a:effectLst/>
                         </a:rPr>
-                        <a:t>112</a:t>
+                        <a:t>147</a:t>
+                      </a:r>
+                      <a:endParaRPr lang="en-IN" sz="1400" b="0" i="0" u="none" strike="noStrike">
+                        <a:solidFill>
+                          <a:srgbClr val="000000"/>
+                        </a:solidFill>
+                        <a:effectLst/>
+                        <a:latin typeface="Calibri" panose="020F0502020204030204" pitchFamily="34" charset="0"/>
+                      </a:endParaRPr>
+                    </a:p>
+                  </a:txBody>
+                  <a:tcPr marL="8667" marR="8667" marT="8667" marB="0" anchor="ctr"/>
+                </a:tc>
+                <a:tc>
+                  <a:txBody>
+                    <a:bodyPr/>
+                    <a:lstStyle/>
+                    <a:p>
+                      <a:pPr algn="ctr" fontAlgn="b"/>
+                      <a:r>
+                        <a:rPr lang="en-IN" sz="1400" u="none" strike="noStrike">
+                          <a:effectLst/>
+                        </a:rPr>
+                        <a:t>110</a:t>
                       </a:r>
                       <a:endParaRPr lang="en-IN" sz="1400" b="0" i="0" u="none" strike="noStrike">
                         <a:solidFill>
@@ -8793,11 +8877,11 @@
                 </a:tc>
                 <a:extLst>
                   <a:ext uri="{0D108BD9-81ED-4DB2-BD59-A6C34878D82A}">
-                    <a16:rowId xmlns:a16="http://schemas.microsoft.com/office/drawing/2014/main" val="1141915257"/>
+                    <a16:rowId xmlns:a16="http://schemas.microsoft.com/office/drawing/2014/main" val="3774012624"/>
                   </a:ext>
                 </a:extLst>
               </a:tr>
-              <a:tr h="333981">
+              <a:tr h="326220">
                 <a:tc>
                   <a:txBody>
                     <a:bodyPr/>
@@ -8874,12 +8958,12 @@
                     <a:p>
                       <a:pPr algn="ctr" fontAlgn="b"/>
                       <a:r>
-                        <a:rPr lang="en-IN" sz="1400" u="none" strike="noStrike" dirty="0">
+                        <a:rPr lang="en-IN" sz="1400" u="none" strike="noStrike">
                           <a:effectLst/>
                         </a:rPr>
                         <a:t>133</a:t>
                       </a:r>
-                      <a:endParaRPr lang="en-IN" sz="1400" b="0" i="0" u="none" strike="noStrike" dirty="0">
+                      <a:endParaRPr lang="en-IN" sz="1400" b="0" i="0" u="none" strike="noStrike">
                         <a:solidFill>
                           <a:srgbClr val="000000"/>
                         </a:solidFill>
@@ -8900,7 +8984,7 @@
                         <a:rPr lang="en-IN" sz="1400" u="none" strike="noStrike">
                           <a:effectLst/>
                         </a:rPr>
-                        <a:t>109</a:t>
+                        <a:t>60</a:t>
                       </a:r>
                       <a:endParaRPr lang="en-IN" sz="1400" b="0" i="0" u="none" strike="noStrike">
                         <a:solidFill>
@@ -8915,11 +8999,11 @@
                 </a:tc>
                 <a:extLst>
                   <a:ext uri="{0D108BD9-81ED-4DB2-BD59-A6C34878D82A}">
-                    <a16:rowId xmlns:a16="http://schemas.microsoft.com/office/drawing/2014/main" val="1999560760"/>
+                    <a16:rowId xmlns:a16="http://schemas.microsoft.com/office/drawing/2014/main" val="233045492"/>
                   </a:ext>
                 </a:extLst>
               </a:tr>
-              <a:tr h="333981">
+              <a:tr h="326220">
                 <a:tc>
                   <a:txBody>
                     <a:bodyPr/>
@@ -8927,12 +9011,12 @@
                     <a:p>
                       <a:pPr algn="ctr" fontAlgn="b"/>
                       <a:r>
-                        <a:rPr lang="en-IN" sz="1400" u="none" strike="noStrike" dirty="0">
+                        <a:rPr lang="en-IN" sz="1400" u="none" strike="noStrike">
                           <a:effectLst/>
                         </a:rPr>
                         <a:t>8</a:t>
                       </a:r>
-                      <a:endParaRPr lang="en-IN" sz="1400" b="0" i="0" u="none" strike="noStrike" dirty="0">
+                      <a:endParaRPr lang="en-IN" sz="1400" b="0" i="0" u="none" strike="noStrike">
                         <a:solidFill>
                           <a:srgbClr val="000000"/>
                         </a:solidFill>
@@ -8950,12 +9034,12 @@
                     <a:p>
                       <a:pPr algn="l" fontAlgn="ctr"/>
                       <a:r>
-                        <a:rPr lang="en-IN" sz="1400" u="none" strike="noStrike" dirty="0">
+                        <a:rPr lang="en-IN" sz="1400" u="none" strike="noStrike">
                           <a:effectLst/>
                         </a:rPr>
                         <a:t>Number of investments in third sector (5)</a:t>
                       </a:r>
-                      <a:endParaRPr lang="en-IN" sz="1400" b="0" i="0" u="none" strike="noStrike" dirty="0">
+                      <a:endParaRPr lang="en-IN" sz="1400" b="0" i="0" u="none" strike="noStrike">
                         <a:solidFill>
                           <a:srgbClr val="000000"/>
                         </a:solidFill>
@@ -9022,7 +9106,7 @@
                         <a:rPr lang="en-IN" sz="1400" u="none" strike="noStrike">
                           <a:effectLst/>
                         </a:rPr>
-                        <a:t>78</a:t>
+                        <a:t>52</a:t>
                       </a:r>
                       <a:endParaRPr lang="en-IN" sz="1400" b="0" i="0" u="none" strike="noStrike">
                         <a:solidFill>
@@ -9037,11 +9121,11 @@
                 </a:tc>
                 <a:extLst>
                   <a:ext uri="{0D108BD9-81ED-4DB2-BD59-A6C34878D82A}">
-                    <a16:rowId xmlns:a16="http://schemas.microsoft.com/office/drawing/2014/main" val="3785462641"/>
+                    <a16:rowId xmlns:a16="http://schemas.microsoft.com/office/drawing/2014/main" val="4066781876"/>
                   </a:ext>
                 </a:extLst>
               </a:tr>
-              <a:tr h="667965">
+              <a:tr h="652442">
                 <a:tc>
                   <a:txBody>
                     <a:bodyPr/>
@@ -9072,10 +9156,155 @@
                     <a:p>
                       <a:pPr algn="l" fontAlgn="ctr"/>
                       <a:r>
+                        <a:rPr lang="en-IN" sz="1400" u="none" strike="noStrike" dirty="0">
+                          <a:effectLst/>
+                        </a:rPr>
+                        <a:t>For point 3 (top sector count-wise), which company received the highest investment?</a:t>
+                      </a:r>
+                      <a:endParaRPr lang="en-IN" sz="1400" b="0" i="0" u="none" strike="noStrike" dirty="0">
+                        <a:solidFill>
+                          <a:srgbClr val="000000"/>
+                        </a:solidFill>
+                        <a:effectLst/>
+                        <a:latin typeface="Calibri" panose="020F0502020204030204" pitchFamily="34" charset="0"/>
+                      </a:endParaRPr>
+                    </a:p>
+                  </a:txBody>
+                  <a:tcPr marL="8667" marR="8667" marT="8667" marB="0" anchor="ctr"/>
+                </a:tc>
+                <a:tc>
+                  <a:txBody>
+                    <a:bodyPr/>
+                    <a:lstStyle/>
+                    <a:p>
+                      <a:pPr algn="ctr" fontAlgn="b"/>
+                      <a:r>
+                        <a:rPr lang="en-IN" sz="1400" u="none" strike="noStrike" dirty="0">
+                          <a:effectLst/>
+                        </a:rPr>
+                        <a:t>Virtustream</a:t>
+                      </a:r>
+                      <a:endParaRPr lang="en-IN" sz="1400" b="0" i="0" u="none" strike="noStrike" dirty="0">
+                        <a:solidFill>
+                          <a:srgbClr val="000000"/>
+                        </a:solidFill>
+                        <a:effectLst/>
+                        <a:latin typeface="Calibri" panose="020F0502020204030204" pitchFamily="34" charset="0"/>
+                      </a:endParaRPr>
+                    </a:p>
+                  </a:txBody>
+                  <a:tcPr marL="8667" marR="8667" marT="8667" marB="0" anchor="ctr"/>
+                </a:tc>
+                <a:tc>
+                  <a:txBody>
+                    <a:bodyPr/>
+                    <a:lstStyle/>
+                    <a:p>
+                      <a:pPr algn="ctr" fontAlgn="b"/>
+                      <a:r>
+                        <a:rPr lang="en-IN" sz="1400" u="none" strike="noStrike" dirty="0">
+                          <a:effectLst/>
+                        </a:rPr>
+                        <a:t>Electric Cloud</a:t>
+                      </a:r>
+                      <a:endParaRPr lang="en-IN" sz="1400" b="0" i="0" u="none" strike="noStrike" dirty="0">
+                        <a:solidFill>
+                          <a:srgbClr val="000000"/>
+                        </a:solidFill>
+                        <a:effectLst/>
+                        <a:latin typeface="Calibri" panose="020F0502020204030204" pitchFamily="34" charset="0"/>
+                      </a:endParaRPr>
+                    </a:p>
+                  </a:txBody>
+                  <a:tcPr marL="8667" marR="8667" marT="8667" marB="0" anchor="ctr"/>
+                </a:tc>
+                <a:tc>
+                  <a:txBody>
+                    <a:bodyPr/>
+                    <a:lstStyle/>
+                    <a:p>
+                      <a:pPr algn="ctr" fontAlgn="b"/>
+                      <a:r>
                         <a:rPr lang="en-IN" sz="1400" u="none" strike="noStrike">
                           <a:effectLst/>
                         </a:rPr>
-                        <a:t>For point 3 (top sector count-wise), which company received the highest investment?</a:t>
+                        <a:t>FirstCry.com</a:t>
+                      </a:r>
+                      <a:endParaRPr lang="en-IN" sz="1400" b="0" i="0" u="none" strike="noStrike">
+                        <a:solidFill>
+                          <a:srgbClr val="000000"/>
+                        </a:solidFill>
+                        <a:effectLst/>
+                        <a:latin typeface="Calibri" panose="020F0502020204030204" pitchFamily="34" charset="0"/>
+                      </a:endParaRPr>
+                    </a:p>
+                  </a:txBody>
+                  <a:tcPr marL="8667" marR="8667" marT="8667" marB="0" anchor="ctr"/>
+                </a:tc>
+                <a:extLst>
+                  <a:ext uri="{0D108BD9-81ED-4DB2-BD59-A6C34878D82A}">
+                    <a16:rowId xmlns:a16="http://schemas.microsoft.com/office/drawing/2014/main" val="2558619947"/>
+                  </a:ext>
+                </a:extLst>
+              </a:tr>
+              <a:tr h="668753">
+                <a:tc>
+                  <a:txBody>
+                    <a:bodyPr/>
+                    <a:lstStyle/>
+                    <a:p>
+                      <a:pPr algn="ctr" fontAlgn="b"/>
+                      <a:r>
+                        <a:rPr lang="en-IN" sz="1400" u="none" strike="noStrike">
+                          <a:effectLst/>
+                        </a:rPr>
+                        <a:t>10</a:t>
+                      </a:r>
+                      <a:endParaRPr lang="en-IN" sz="1400" b="0" i="0" u="none" strike="noStrike">
+                        <a:solidFill>
+                          <a:srgbClr val="000000"/>
+                        </a:solidFill>
+                        <a:effectLst/>
+                        <a:latin typeface="Calibri" panose="020F0502020204030204" pitchFamily="34" charset="0"/>
+                      </a:endParaRPr>
+                    </a:p>
+                  </a:txBody>
+                  <a:tcPr marL="8667" marR="8667" marT="8667" marB="0" anchor="ctr"/>
+                </a:tc>
+                <a:tc>
+                  <a:txBody>
+                    <a:bodyPr/>
+                    <a:lstStyle/>
+                    <a:p>
+                      <a:pPr algn="l" fontAlgn="ctr"/>
+                      <a:r>
+                        <a:rPr lang="en-IN" sz="1400" u="none" strike="noStrike">
+                          <a:effectLst/>
+                        </a:rPr>
+                        <a:t>For point 4 (second best sector count-wise), which company received the highest investment?</a:t>
+                      </a:r>
+                      <a:endParaRPr lang="en-IN" sz="1400" b="0" i="0" u="none" strike="noStrike">
+                        <a:solidFill>
+                          <a:srgbClr val="000000"/>
+                        </a:solidFill>
+                        <a:effectLst/>
+                        <a:latin typeface="Calibri" panose="020F0502020204030204" pitchFamily="34" charset="0"/>
+                      </a:endParaRPr>
+                    </a:p>
+                  </a:txBody>
+                  <a:tcPr marL="8667" marR="8667" marT="8667" marB="0" anchor="ctr"/>
+                </a:tc>
+                <a:tc>
+                  <a:txBody>
+                    <a:bodyPr/>
+                    <a:lstStyle/>
+                    <a:p>
+                      <a:pPr algn="ctr" fontAlgn="b"/>
+                      <a:r>
+                        <a:rPr lang="en-IN" sz="1400" u="none" strike="noStrike">
+                          <a:effectLst/>
+                        </a:rPr>
+                        <a:t>SST Inc. (Formerly ShotSpotter)</a:t>
                       </a:r>
                       <a:endParaRPr lang="en-IN" sz="1400" b="0" i="0" u="none" strike="noStrike">
                         <a:solidFill>
@@ -9098,7 +9327,7 @@
                         <a:rPr lang="en-IN" sz="1400" u="none" strike="noStrike" dirty="0">
                           <a:effectLst/>
                         </a:rPr>
-                        <a:t>1stdibs</a:t>
+                        <a:t>Celltick Technologies</a:t>
                       </a:r>
                       <a:endParaRPr lang="en-IN" sz="1400" b="0" i="0" u="none" strike="noStrike" dirty="0">
                         <a:solidFill>
@@ -9121,30 +9350,7 @@
                         <a:rPr lang="en-IN" sz="1400" u="none" strike="noStrike" dirty="0">
                           <a:effectLst/>
                         </a:rPr>
-                        <a:t>Tribold</a:t>
-                      </a:r>
-                      <a:endParaRPr lang="en-IN" sz="1400" b="0" i="0" u="none" strike="noStrike" dirty="0">
-                        <a:solidFill>
-                          <a:srgbClr val="000000"/>
-                        </a:solidFill>
-                        <a:effectLst/>
-                        <a:latin typeface="Calibri" panose="020F0502020204030204" pitchFamily="34" charset="0"/>
-                      </a:endParaRPr>
-                    </a:p>
-                  </a:txBody>
-                  <a:tcPr marL="8667" marR="8667" marT="8667" marB="0" anchor="ctr"/>
-                </a:tc>
-                <a:tc>
-                  <a:txBody>
-                    <a:bodyPr/>
-                    <a:lstStyle/>
-                    <a:p>
-                      <a:pPr algn="ctr" fontAlgn="b"/>
-                      <a:r>
-                        <a:rPr lang="en-IN" sz="1400" u="none" strike="noStrike" dirty="0">
-                          <a:effectLst/>
-                        </a:rPr>
-                        <a:t>Zymeworks</a:t>
+                        <a:t>Manthan Systems</a:t>
                       </a:r>
                       <a:endParaRPr lang="en-IN" sz="1400" b="0" i="0" u="none" strike="noStrike" dirty="0">
                         <a:solidFill>
@@ -9159,129 +9365,7 @@
                 </a:tc>
                 <a:extLst>
                   <a:ext uri="{0D108BD9-81ED-4DB2-BD59-A6C34878D82A}">
-                    <a16:rowId xmlns:a16="http://schemas.microsoft.com/office/drawing/2014/main" val="2459027177"/>
-                  </a:ext>
-                </a:extLst>
-              </a:tr>
-              <a:tr h="684664">
-                <a:tc>
-                  <a:txBody>
-                    <a:bodyPr/>
-                    <a:lstStyle/>
-                    <a:p>
-                      <a:pPr algn="ctr" fontAlgn="b"/>
-                      <a:r>
-                        <a:rPr lang="en-IN" sz="1400" u="none" strike="noStrike" dirty="0">
-                          <a:effectLst/>
-                        </a:rPr>
-                        <a:t>10</a:t>
-                      </a:r>
-                      <a:endParaRPr lang="en-IN" sz="1400" b="0" i="0" u="none" strike="noStrike" dirty="0">
-                        <a:solidFill>
-                          <a:srgbClr val="000000"/>
-                        </a:solidFill>
-                        <a:effectLst/>
-                        <a:latin typeface="Calibri" panose="020F0502020204030204" pitchFamily="34" charset="0"/>
-                      </a:endParaRPr>
-                    </a:p>
-                  </a:txBody>
-                  <a:tcPr marL="8667" marR="8667" marT="8667" marB="0" anchor="ctr"/>
-                </a:tc>
-                <a:tc>
-                  <a:txBody>
-                    <a:bodyPr/>
-                    <a:lstStyle/>
-                    <a:p>
-                      <a:pPr algn="l" fontAlgn="ctr"/>
-                      <a:r>
-                        <a:rPr lang="en-IN" sz="1400" u="none" strike="noStrike" dirty="0">
-                          <a:effectLst/>
-                        </a:rPr>
-                        <a:t>For point 4 (second best sector count-wise), which company received the highest investment?</a:t>
-                      </a:r>
-                      <a:endParaRPr lang="en-IN" sz="1400" b="0" i="0" u="none" strike="noStrike" dirty="0">
-                        <a:solidFill>
-                          <a:srgbClr val="000000"/>
-                        </a:solidFill>
-                        <a:effectLst/>
-                        <a:latin typeface="Calibri" panose="020F0502020204030204" pitchFamily="34" charset="0"/>
-                      </a:endParaRPr>
-                    </a:p>
-                  </a:txBody>
-                  <a:tcPr marL="8667" marR="8667" marT="8667" marB="0" anchor="ctr"/>
-                </a:tc>
-                <a:tc>
-                  <a:txBody>
-                    <a:bodyPr/>
-                    <a:lstStyle/>
-                    <a:p>
-                      <a:pPr algn="ctr" fontAlgn="b"/>
-                      <a:r>
-                        <a:rPr lang="en-IN" sz="1400" u="none" strike="noStrike" dirty="0">
-                          <a:effectLst/>
-                        </a:rPr>
-                        <a:t>SigFig</a:t>
-                      </a:r>
-                      <a:endParaRPr lang="en-IN" sz="1400" b="0" i="0" u="none" strike="noStrike" dirty="0">
-                        <a:solidFill>
-                          <a:srgbClr val="000000"/>
-                        </a:solidFill>
-                        <a:effectLst/>
-                        <a:latin typeface="Calibri" panose="020F0502020204030204" pitchFamily="34" charset="0"/>
-                      </a:endParaRPr>
-                    </a:p>
-                  </a:txBody>
-                  <a:tcPr marL="8667" marR="8667" marT="8667" marB="0" anchor="ctr"/>
-                </a:tc>
-                <a:tc>
-                  <a:txBody>
-                    <a:bodyPr/>
-                    <a:lstStyle/>
-                    <a:p>
-                      <a:pPr algn="ctr" fontAlgn="b"/>
-                      <a:r>
-                        <a:rPr lang="en-IN" sz="1400" u="none" strike="noStrike">
-                          <a:effectLst/>
-                        </a:rPr>
-                        <a:t>OpenGamma</a:t>
-                      </a:r>
-                      <a:endParaRPr lang="en-IN" sz="1400" b="0" i="0" u="none" strike="noStrike">
-                        <a:solidFill>
-                          <a:srgbClr val="000000"/>
-                        </a:solidFill>
-                        <a:effectLst/>
-                        <a:latin typeface="Calibri" panose="020F0502020204030204" pitchFamily="34" charset="0"/>
-                      </a:endParaRPr>
-                    </a:p>
-                  </a:txBody>
-                  <a:tcPr marL="8667" marR="8667" marT="8667" marB="0" anchor="ctr"/>
-                </a:tc>
-                <a:tc>
-                  <a:txBody>
-                    <a:bodyPr/>
-                    <a:lstStyle/>
-                    <a:p>
-                      <a:pPr algn="ctr" fontAlgn="b"/>
-                      <a:r>
-                        <a:rPr lang="en-IN" sz="1400" u="none" strike="noStrike" dirty="0">
-                          <a:effectLst/>
-                        </a:rPr>
-                        <a:t>QuickPlay Media</a:t>
-                      </a:r>
-                      <a:endParaRPr lang="en-IN" sz="1400" b="0" i="0" u="none" strike="noStrike" dirty="0">
-                        <a:solidFill>
-                          <a:srgbClr val="000000"/>
-                        </a:solidFill>
-                        <a:effectLst/>
-                        <a:latin typeface="Calibri" panose="020F0502020204030204" pitchFamily="34" charset="0"/>
-                      </a:endParaRPr>
-                    </a:p>
-                  </a:txBody>
-                  <a:tcPr marL="8667" marR="8667" marT="8667" marB="0" anchor="ctr"/>
-                </a:tc>
-                <a:extLst>
-                  <a:ext uri="{0D108BD9-81ED-4DB2-BD59-A6C34878D82A}">
-                    <a16:rowId xmlns:a16="http://schemas.microsoft.com/office/drawing/2014/main" val="1419594409"/>
+                    <a16:rowId xmlns:a16="http://schemas.microsoft.com/office/drawing/2014/main" val="3393225911"/>
                   </a:ext>
                 </a:extLst>
               </a:tr>
@@ -9331,7 +9415,7 @@
         </p:nvSpPr>
         <p:spPr>
           <a:xfrm>
-            <a:off x="1136469" y="317144"/>
+            <a:off x="1136467" y="552276"/>
             <a:ext cx="9313817" cy="856138"/>
           </a:xfrm>
         </p:spPr>
@@ -9344,7 +9428,7 @@
             <a:pPr algn="ctr"/>
             <a:r>
               <a:rPr lang="en-IN" sz="3600" b="1" dirty="0"/>
-              <a:t>Plots of Count of Total Investment and Average Investment </a:t>
+              <a:t>Plots of Fraction of Count of Total Investment and Average Amount of Investment </a:t>
             </a:r>
             <a:endParaRPr lang="en-IN" sz="3600" dirty="0"/>
           </a:p>
@@ -9352,10 +9436,10 @@
       </p:sp>
       <p:pic>
         <p:nvPicPr>
-          <p:cNvPr id="3" name="Picture 2">
+          <p:cNvPr id="4" name="Picture 3">
             <a:extLst>
               <a:ext uri="{FF2B5EF4-FFF2-40B4-BE49-F238E27FC236}">
-                <a16:creationId xmlns:a16="http://schemas.microsoft.com/office/drawing/2014/main" id="{D6025953-1F65-450E-A713-B9AA18D0BD02}"/>
+                <a16:creationId xmlns:a16="http://schemas.microsoft.com/office/drawing/2014/main" id="{1CE01574-1353-4214-82E2-F2729791A376}"/>
               </a:ext>
             </a:extLst>
           </p:cNvPr>
@@ -9372,8 +9456,8 @@
         </p:blipFill>
         <p:spPr>
           <a:xfrm>
-            <a:off x="1205524" y="1302761"/>
-            <a:ext cx="9780952" cy="5238095"/>
+            <a:off x="1017186" y="1540337"/>
+            <a:ext cx="9552381" cy="5209524"/>
           </a:xfrm>
           <a:prstGeom prst="rect">
             <a:avLst/>
@@ -9443,10 +9527,10 @@
       </p:sp>
       <p:pic>
         <p:nvPicPr>
-          <p:cNvPr id="2" name="Picture 1">
+          <p:cNvPr id="3" name="Picture 2">
             <a:extLst>
               <a:ext uri="{FF2B5EF4-FFF2-40B4-BE49-F238E27FC236}">
-                <a16:creationId xmlns:a16="http://schemas.microsoft.com/office/drawing/2014/main" id="{4872589A-18D3-41BD-8FB5-4D4099699645}"/>
+                <a16:creationId xmlns:a16="http://schemas.microsoft.com/office/drawing/2014/main" id="{3B5A5FB1-92B2-4B2F-8F5C-3EF56CC09217}"/>
               </a:ext>
             </a:extLst>
           </p:cNvPr>
@@ -9463,8 +9547,8 @@
         </p:blipFill>
         <p:spPr>
           <a:xfrm>
-            <a:off x="1436233" y="1592363"/>
-            <a:ext cx="8714286" cy="5057143"/>
+            <a:off x="1474884" y="1484015"/>
+            <a:ext cx="8828571" cy="5142857"/>
           </a:xfrm>
           <a:prstGeom prst="rect">
             <a:avLst/>
@@ -9513,7 +9597,7 @@
         </p:nvSpPr>
         <p:spPr>
           <a:xfrm>
-            <a:off x="1226194" y="822927"/>
+            <a:off x="1226194" y="457167"/>
             <a:ext cx="9313817" cy="856138"/>
           </a:xfrm>
         </p:spPr>
@@ -9534,10 +9618,10 @@
       </p:sp>
       <p:pic>
         <p:nvPicPr>
-          <p:cNvPr id="4" name="Picture 3">
+          <p:cNvPr id="2" name="Picture 1">
             <a:extLst>
               <a:ext uri="{FF2B5EF4-FFF2-40B4-BE49-F238E27FC236}">
-                <a16:creationId xmlns:a16="http://schemas.microsoft.com/office/drawing/2014/main" id="{AE905A1F-5063-4A13-B65F-E9DC58569C19}"/>
+                <a16:creationId xmlns:a16="http://schemas.microsoft.com/office/drawing/2014/main" id="{271F8159-4B7B-4687-9C85-09EA677DD835}"/>
               </a:ext>
             </a:extLst>
           </p:cNvPr>
@@ -9554,8 +9638,8 @@
         </p:blipFill>
         <p:spPr>
           <a:xfrm>
-            <a:off x="1841093" y="1820415"/>
-            <a:ext cx="8509814" cy="4806841"/>
+            <a:off x="1615047" y="1408528"/>
+            <a:ext cx="8961905" cy="5190476"/>
           </a:xfrm>
           <a:prstGeom prst="rect">
             <a:avLst/>
